--- a/15/yongki/LoadBalancing.pptx
+++ b/15/yongki/LoadBalancing.pptx
@@ -5,7 +5,7 @@
     <p:sldMasterId id="2147483648" r:id="rId1"/>
   </p:sldMasterIdLst>
   <p:notesMasterIdLst>
-    <p:notesMasterId r:id="rId10"/>
+    <p:notesMasterId r:id="rId11"/>
   </p:notesMasterIdLst>
   <p:sldIdLst>
     <p:sldId id="256" r:id="rId2"/>
@@ -13,9 +13,10 @@
     <p:sldId id="314" r:id="rId4"/>
     <p:sldId id="291" r:id="rId5"/>
     <p:sldId id="326" r:id="rId6"/>
-    <p:sldId id="315" r:id="rId7"/>
-    <p:sldId id="302" r:id="rId8"/>
-    <p:sldId id="301" r:id="rId9"/>
+    <p:sldId id="327" r:id="rId7"/>
+    <p:sldId id="315" r:id="rId8"/>
+    <p:sldId id="302" r:id="rId9"/>
+    <p:sldId id="301" r:id="rId10"/>
   </p:sldIdLst>
   <p:sldSz cx="9144000" cy="6858000" type="screen4x3"/>
   <p:notesSz cx="6858000" cy="9144000"/>
@@ -245,7 +246,7 @@
           <a:p>
             <a:fld id="{278A5395-7299-4714-9E5C-8983F2B9A6E7}" type="datetimeFigureOut">
               <a:rPr lang="ko-KR" altLang="en-US" smtClean="0"/>
-              <a:t>2022-04-06</a:t>
+              <a:t>2022-04-08</a:t>
             </a:fld>
             <a:endParaRPr lang="ko-KR" altLang="en-US"/>
           </a:p>
@@ -6134,7 +6135,7 @@
         <p:spPr bwMode="auto">
           <a:xfrm>
             <a:off x="575556" y="3421241"/>
-            <a:ext cx="7915460" cy="2246769"/>
+            <a:ext cx="7915460" cy="1384995"/>
           </a:xfrm>
           <a:prstGeom prst="rect">
             <a:avLst/>
@@ -6380,7 +6381,7 @@
                 <a:latin typeface="맑은 고딕" panose="020B0503020000020004" pitchFamily="50" charset="-127"/>
                 <a:ea typeface="맑은 고딕" panose="020B0503020000020004" pitchFamily="50" charset="-127"/>
               </a:rPr>
-              <a:t>a. </a:t>
+              <a:t>    a. </a:t>
             </a:r>
             <a:r>
               <a:rPr lang="ko-KR" altLang="en-US" sz="1400">
@@ -6416,7 +6417,7 @@
             </a:endParaRPr>
           </a:p>
           <a:p>
-            <a:pPr eaLnBrk="1" hangingPunct="1">
+            <a:pPr marL="180000" indent="-1080000" eaLnBrk="1" hangingPunct="1">
               <a:spcBef>
                 <a:spcPct val="0"/>
               </a:spcBef>
@@ -6430,7 +6431,7 @@
                 <a:latin typeface="맑은 고딕" panose="020B0503020000020004" pitchFamily="50" charset="-127"/>
                 <a:ea typeface="맑은 고딕" panose="020B0503020000020004" pitchFamily="50" charset="-127"/>
               </a:rPr>
-              <a:t>    DNS </a:t>
+              <a:t>        DNS </a:t>
             </a:r>
             <a:r>
               <a:rPr lang="ko-KR" altLang="en-US" sz="1400">
@@ -6472,6 +6473,233 @@
               </a:rPr>
               <a:t>.</a:t>
             </a:r>
+          </a:p>
+        </p:txBody>
+      </p:sp>
+      <p:sp>
+        <p:nvSpPr>
+          <p:cNvPr id="7" name="TextBox 6">
+            <a:extLst>
+              <a:ext uri="{FF2B5EF4-FFF2-40B4-BE49-F238E27FC236}">
+                <a16:creationId xmlns:a16="http://schemas.microsoft.com/office/drawing/2014/main" id="{8EA89AC6-67FF-443E-B2D6-F0D07D761A10}"/>
+              </a:ext>
+            </a:extLst>
+          </p:cNvPr>
+          <p:cNvSpPr txBox="1">
+            <a:spLocks noChangeArrowheads="1"/>
+          </p:cNvSpPr>
+          <p:nvPr/>
+        </p:nvSpPr>
+        <p:spPr bwMode="auto">
+          <a:xfrm>
+            <a:off x="545819" y="4977983"/>
+            <a:ext cx="7915460" cy="738664"/>
+          </a:xfrm>
+          <a:prstGeom prst="rect">
+            <a:avLst/>
+          </a:prstGeom>
+          <a:noFill/>
+          <a:ln>
+            <a:noFill/>
+          </a:ln>
+          <a:extLst>
+            <a:ext uri="{909E8E84-426E-40DD-AFC4-6F175D3DCCD1}">
+              <a14:hiddenFill xmlns:a14="http://schemas.microsoft.com/office/drawing/2010/main">
+                <a:solidFill>
+                  <a:srgbClr val="FFFFFF"/>
+                </a:solidFill>
+              </a14:hiddenFill>
+            </a:ext>
+            <a:ext uri="{91240B29-F687-4F45-9708-019B960494DF}">
+              <a14:hiddenLine xmlns:a14="http://schemas.microsoft.com/office/drawing/2010/main" w="9525">
+                <a:solidFill>
+                  <a:srgbClr val="000000"/>
+                </a:solidFill>
+                <a:miter lim="800000"/>
+                <a:headEnd/>
+                <a:tailEnd/>
+              </a14:hiddenLine>
+            </a:ext>
+          </a:extLst>
+        </p:spPr>
+        <p:txBody>
+          <a:bodyPr wrap="square">
+            <a:spAutoFit/>
+          </a:bodyPr>
+          <a:lstStyle>
+            <a:lvl1pPr>
+              <a:spcBef>
+                <a:spcPct val="20000"/>
+              </a:spcBef>
+              <a:buChar char="•"/>
+              <a:defRPr sz="3200">
+                <a:solidFill>
+                  <a:schemeClr val="tx1"/>
+                </a:solidFill>
+                <a:latin typeface="Arial" panose="020B0604020202020204" pitchFamily="34" charset="0"/>
+                <a:ea typeface="Arial Unicode MS" panose="020B0604020202020204" pitchFamily="50" charset="-127"/>
+                <a:cs typeface="Arial" panose="020B0604020202020204" pitchFamily="34" charset="0"/>
+              </a:defRPr>
+            </a:lvl1pPr>
+            <a:lvl2pPr marL="742950" indent="-285750">
+              <a:spcBef>
+                <a:spcPct val="20000"/>
+              </a:spcBef>
+              <a:buChar char="–"/>
+              <a:defRPr sz="2800">
+                <a:solidFill>
+                  <a:schemeClr val="tx1"/>
+                </a:solidFill>
+                <a:latin typeface="Arial" panose="020B0604020202020204" pitchFamily="34" charset="0"/>
+                <a:ea typeface="Arial Unicode MS" panose="020B0604020202020204" pitchFamily="50" charset="-127"/>
+                <a:cs typeface="Arial" panose="020B0604020202020204" pitchFamily="34" charset="0"/>
+              </a:defRPr>
+            </a:lvl2pPr>
+            <a:lvl3pPr marL="1143000" indent="-228600">
+              <a:spcBef>
+                <a:spcPct val="20000"/>
+              </a:spcBef>
+              <a:buChar char="•"/>
+              <a:defRPr sz="2400">
+                <a:solidFill>
+                  <a:schemeClr val="tx1"/>
+                </a:solidFill>
+                <a:latin typeface="Arial" panose="020B0604020202020204" pitchFamily="34" charset="0"/>
+                <a:ea typeface="Arial Unicode MS" panose="020B0604020202020204" pitchFamily="50" charset="-127"/>
+                <a:cs typeface="Arial" panose="020B0604020202020204" pitchFamily="34" charset="0"/>
+              </a:defRPr>
+            </a:lvl3pPr>
+            <a:lvl4pPr marL="1600200" indent="-228600">
+              <a:spcBef>
+                <a:spcPct val="20000"/>
+              </a:spcBef>
+              <a:buChar char="–"/>
+              <a:defRPr sz="2000">
+                <a:solidFill>
+                  <a:schemeClr val="tx1"/>
+                </a:solidFill>
+                <a:latin typeface="Arial" panose="020B0604020202020204" pitchFamily="34" charset="0"/>
+                <a:ea typeface="Arial Unicode MS" panose="020B0604020202020204" pitchFamily="50" charset="-127"/>
+                <a:cs typeface="Arial" panose="020B0604020202020204" pitchFamily="34" charset="0"/>
+              </a:defRPr>
+            </a:lvl4pPr>
+            <a:lvl5pPr marL="2057400" indent="-228600">
+              <a:spcBef>
+                <a:spcPct val="20000"/>
+              </a:spcBef>
+              <a:buChar char="»"/>
+              <a:defRPr sz="2000">
+                <a:solidFill>
+                  <a:schemeClr val="tx1"/>
+                </a:solidFill>
+                <a:latin typeface="Arial" panose="020B0604020202020204" pitchFamily="34" charset="0"/>
+                <a:ea typeface="Arial Unicode MS" panose="020B0604020202020204" pitchFamily="50" charset="-127"/>
+                <a:cs typeface="Arial" panose="020B0604020202020204" pitchFamily="34" charset="0"/>
+              </a:defRPr>
+            </a:lvl5pPr>
+            <a:lvl6pPr marL="2514600" indent="-228600" eaLnBrk="0" fontAlgn="base" hangingPunct="0">
+              <a:spcBef>
+                <a:spcPct val="20000"/>
+              </a:spcBef>
+              <a:spcAft>
+                <a:spcPct val="0"/>
+              </a:spcAft>
+              <a:buChar char="»"/>
+              <a:defRPr sz="2000">
+                <a:solidFill>
+                  <a:schemeClr val="tx1"/>
+                </a:solidFill>
+                <a:latin typeface="Arial" panose="020B0604020202020204" pitchFamily="34" charset="0"/>
+                <a:ea typeface="Arial Unicode MS" panose="020B0604020202020204" pitchFamily="50" charset="-127"/>
+                <a:cs typeface="Arial" panose="020B0604020202020204" pitchFamily="34" charset="0"/>
+              </a:defRPr>
+            </a:lvl6pPr>
+            <a:lvl7pPr marL="2971800" indent="-228600" eaLnBrk="0" fontAlgn="base" hangingPunct="0">
+              <a:spcBef>
+                <a:spcPct val="20000"/>
+              </a:spcBef>
+              <a:spcAft>
+                <a:spcPct val="0"/>
+              </a:spcAft>
+              <a:buChar char="»"/>
+              <a:defRPr sz="2000">
+                <a:solidFill>
+                  <a:schemeClr val="tx1"/>
+                </a:solidFill>
+                <a:latin typeface="Arial" panose="020B0604020202020204" pitchFamily="34" charset="0"/>
+                <a:ea typeface="Arial Unicode MS" panose="020B0604020202020204" pitchFamily="50" charset="-127"/>
+                <a:cs typeface="Arial" panose="020B0604020202020204" pitchFamily="34" charset="0"/>
+              </a:defRPr>
+            </a:lvl7pPr>
+            <a:lvl8pPr marL="3429000" indent="-228600" eaLnBrk="0" fontAlgn="base" hangingPunct="0">
+              <a:spcBef>
+                <a:spcPct val="20000"/>
+              </a:spcBef>
+              <a:spcAft>
+                <a:spcPct val="0"/>
+              </a:spcAft>
+              <a:buChar char="»"/>
+              <a:defRPr sz="2000">
+                <a:solidFill>
+                  <a:schemeClr val="tx1"/>
+                </a:solidFill>
+                <a:latin typeface="Arial" panose="020B0604020202020204" pitchFamily="34" charset="0"/>
+                <a:ea typeface="Arial Unicode MS" panose="020B0604020202020204" pitchFamily="50" charset="-127"/>
+                <a:cs typeface="Arial" panose="020B0604020202020204" pitchFamily="34" charset="0"/>
+              </a:defRPr>
+            </a:lvl8pPr>
+            <a:lvl9pPr marL="3886200" indent="-228600" eaLnBrk="0" fontAlgn="base" hangingPunct="0">
+              <a:spcBef>
+                <a:spcPct val="20000"/>
+              </a:spcBef>
+              <a:spcAft>
+                <a:spcPct val="0"/>
+              </a:spcAft>
+              <a:buChar char="»"/>
+              <a:defRPr sz="2000">
+                <a:solidFill>
+                  <a:schemeClr val="tx1"/>
+                </a:solidFill>
+                <a:latin typeface="Arial" panose="020B0604020202020204" pitchFamily="34" charset="0"/>
+                <a:ea typeface="Arial Unicode MS" panose="020B0604020202020204" pitchFamily="50" charset="-127"/>
+                <a:cs typeface="Arial" panose="020B0604020202020204" pitchFamily="34" charset="0"/>
+              </a:defRPr>
+            </a:lvl9pPr>
+          </a:lstStyle>
+          <a:p>
+            <a:pPr eaLnBrk="1" hangingPunct="1">
+              <a:spcBef>
+                <a:spcPct val="0"/>
+              </a:spcBef>
+              <a:buNone/>
+            </a:pPr>
+            <a:r>
+              <a:rPr lang="en-US" altLang="ko-KR" sz="1400">
+                <a:solidFill>
+                  <a:srgbClr val="000000"/>
+                </a:solidFill>
+                <a:latin typeface="맑은 고딕" panose="020B0503020000020004" pitchFamily="50" charset="-127"/>
+                <a:ea typeface="맑은 고딕" panose="020B0503020000020004" pitchFamily="50" charset="-127"/>
+              </a:rPr>
+              <a:t>    b. </a:t>
+            </a:r>
+            <a:r>
+              <a:rPr lang="ko-KR" altLang="en-US" sz="1400">
+                <a:solidFill>
+                  <a:srgbClr val="000000"/>
+                </a:solidFill>
+                <a:latin typeface="맑은 고딕" panose="020B0503020000020004" pitchFamily="50" charset="-127"/>
+                <a:ea typeface="맑은 고딕" panose="020B0503020000020004" pitchFamily="50" charset="-127"/>
+              </a:rPr>
+              <a:t>하나의 로직이 복수의 요청으로 나눠졌을 때</a:t>
+            </a:r>
+            <a:endParaRPr lang="en-US" altLang="ko-KR" sz="1400">
+              <a:solidFill>
+                <a:srgbClr val="000000"/>
+              </a:solidFill>
+              <a:latin typeface="맑은 고딕" panose="020B0503020000020004" pitchFamily="50" charset="-127"/>
+              <a:ea typeface="맑은 고딕" panose="020B0503020000020004" pitchFamily="50" charset="-127"/>
+            </a:endParaRPr>
           </a:p>
           <a:p>
             <a:pPr eaLnBrk="1" hangingPunct="1">
@@ -6503,57 +6731,7 @@
                 <a:latin typeface="맑은 고딕" panose="020B0503020000020004" pitchFamily="50" charset="-127"/>
                 <a:ea typeface="맑은 고딕" panose="020B0503020000020004" pitchFamily="50" charset="-127"/>
               </a:rPr>
-              <a:t>b. </a:t>
-            </a:r>
-            <a:r>
-              <a:rPr lang="ko-KR" altLang="en-US" sz="1400">
-                <a:solidFill>
-                  <a:srgbClr val="000000"/>
-                </a:solidFill>
-                <a:latin typeface="맑은 고딕" panose="020B0503020000020004" pitchFamily="50" charset="-127"/>
-                <a:ea typeface="맑은 고딕" panose="020B0503020000020004" pitchFamily="50" charset="-127"/>
-              </a:rPr>
-              <a:t>하나의 로직이 복수의 요청으로 나눠졌을 때</a:t>
-            </a:r>
-            <a:endParaRPr lang="en-US" altLang="ko-KR" sz="1400">
-              <a:solidFill>
-                <a:srgbClr val="000000"/>
-              </a:solidFill>
-              <a:latin typeface="맑은 고딕" panose="020B0503020000020004" pitchFamily="50" charset="-127"/>
-              <a:ea typeface="맑은 고딕" panose="020B0503020000020004" pitchFamily="50" charset="-127"/>
-            </a:endParaRPr>
-          </a:p>
-          <a:p>
-            <a:pPr eaLnBrk="1" hangingPunct="1">
-              <a:spcBef>
-                <a:spcPct val="0"/>
-              </a:spcBef>
-              <a:buNone/>
-            </a:pPr>
-            <a:endParaRPr lang="en-US" altLang="ko-KR" sz="1400">
-              <a:solidFill>
-                <a:srgbClr val="000000"/>
-              </a:solidFill>
-              <a:latin typeface="맑은 고딕" panose="020B0503020000020004" pitchFamily="50" charset="-127"/>
-              <a:ea typeface="맑은 고딕" panose="020B0503020000020004" pitchFamily="50" charset="-127"/>
-            </a:endParaRPr>
-          </a:p>
-          <a:p>
-            <a:pPr eaLnBrk="1" hangingPunct="1">
-              <a:spcBef>
-                <a:spcPct val="0"/>
-              </a:spcBef>
-              <a:buNone/>
-            </a:pPr>
-            <a:r>
-              <a:rPr lang="en-US" altLang="ko-KR" sz="1400">
-                <a:solidFill>
-                  <a:srgbClr val="000000"/>
-                </a:solidFill>
-                <a:latin typeface="맑은 고딕" panose="020B0503020000020004" pitchFamily="50" charset="-127"/>
-                <a:ea typeface="맑은 고딕" panose="020B0503020000020004" pitchFamily="50" charset="-127"/>
-              </a:rPr>
-              <a:t>   </a:t>
+              <a:t>        </a:t>
             </a:r>
             <a:r>
               <a:rPr lang="ko-KR" altLang="en-US" sz="1400">
@@ -6580,159 +6758,281 @@
       </p:sp>
       <p:sp>
         <p:nvSpPr>
-          <p:cNvPr id="2" name="말풍선: 타원형 1">
+          <p:cNvPr id="8" name="TextBox 7">
             <a:extLst>
               <a:ext uri="{FF2B5EF4-FFF2-40B4-BE49-F238E27FC236}">
-                <a16:creationId xmlns:a16="http://schemas.microsoft.com/office/drawing/2014/main" id="{7EE20462-5117-4A20-BFE7-D05FC7C2639F}"/>
+                <a16:creationId xmlns:a16="http://schemas.microsoft.com/office/drawing/2014/main" id="{53F616DA-EE6F-4E7E-A732-2CB8EDDD97F9}"/>
               </a:ext>
             </a:extLst>
           </p:cNvPr>
-          <p:cNvSpPr/>
+          <p:cNvSpPr txBox="1">
+            <a:spLocks noChangeArrowheads="1"/>
+          </p:cNvSpPr>
           <p:nvPr/>
         </p:nvSpPr>
         <p:spPr bwMode="auto">
           <a:xfrm>
-            <a:off x="5111552" y="5949280"/>
-            <a:ext cx="3708920" cy="781449"/>
+            <a:off x="4579219" y="5888394"/>
+            <a:ext cx="3600400" cy="738664"/>
           </a:xfrm>
-          <a:prstGeom prst="wedgeEllipseCallout">
-            <a:avLst>
-              <a:gd name="adj1" fmla="val -33658"/>
-              <a:gd name="adj2" fmla="val -62157"/>
-            </a:avLst>
+          <a:prstGeom prst="rect">
+            <a:avLst/>
           </a:prstGeom>
-          <a:solidFill>
-            <a:srgbClr val="4495D1"/>
-          </a:solidFill>
-          <a:ln w="9525" cap="flat" cmpd="sng" algn="ctr">
+          <a:noFill/>
+          <a:ln w="9525">
             <a:solidFill>
-              <a:schemeClr val="tx1"/>
+              <a:srgbClr val="000000"/>
             </a:solidFill>
-            <a:prstDash val="solid"/>
-            <a:round/>
-            <a:headEnd type="none" w="med" len="med"/>
-            <a:tailEnd type="none" w="med" len="med"/>
+            <a:miter lim="800000"/>
+            <a:headEnd/>
+            <a:tailEnd/>
           </a:ln>
-          <a:effectLst/>
+          <a:extLst>
+            <a:ext uri="{909E8E84-426E-40DD-AFC4-6F175D3DCCD1}">
+              <a14:hiddenFill xmlns:a14="http://schemas.microsoft.com/office/drawing/2010/main">
+                <a:solidFill>
+                  <a:srgbClr val="FFFFFF"/>
+                </a:solidFill>
+              </a14:hiddenFill>
+            </a:ext>
+          </a:extLst>
         </p:spPr>
         <p:txBody>
-          <a:bodyPr vert="horz" wrap="square" lIns="91440" tIns="45720" rIns="91440" bIns="45720" numCol="1" rtlCol="0" anchor="t" anchorCtr="0" compatLnSpc="1">
-            <a:prstTxWarp prst="textNoShape">
-              <a:avLst/>
-            </a:prstTxWarp>
+          <a:bodyPr wrap="square">
+            <a:spAutoFit/>
           </a:bodyPr>
-          <a:lstStyle/>
-          <a:p>
-            <a:pPr marL="0" marR="0" indent="0" algn="l" defTabSz="914400" rtl="0" eaLnBrk="1" fontAlgn="base" latinLnBrk="0" hangingPunct="1">
-              <a:lnSpc>
-                <a:spcPct val="100000"/>
-              </a:lnSpc>
-              <a:spcBef>
-                <a:spcPct val="0"/>
+          <a:lstStyle>
+            <a:lvl1pPr>
+              <a:spcBef>
+                <a:spcPct val="20000"/>
+              </a:spcBef>
+              <a:buChar char="•"/>
+              <a:defRPr sz="3200">
+                <a:solidFill>
+                  <a:schemeClr val="tx1"/>
+                </a:solidFill>
+                <a:latin typeface="Arial" panose="020B0604020202020204" pitchFamily="34" charset="0"/>
+                <a:ea typeface="Arial Unicode MS" panose="020B0604020202020204" pitchFamily="50" charset="-127"/>
+                <a:cs typeface="Arial" panose="020B0604020202020204" pitchFamily="34" charset="0"/>
+              </a:defRPr>
+            </a:lvl1pPr>
+            <a:lvl2pPr marL="742950" indent="-285750">
+              <a:spcBef>
+                <a:spcPct val="20000"/>
+              </a:spcBef>
+              <a:buChar char="–"/>
+              <a:defRPr sz="2800">
+                <a:solidFill>
+                  <a:schemeClr val="tx1"/>
+                </a:solidFill>
+                <a:latin typeface="Arial" panose="020B0604020202020204" pitchFamily="34" charset="0"/>
+                <a:ea typeface="Arial Unicode MS" panose="020B0604020202020204" pitchFamily="50" charset="-127"/>
+                <a:cs typeface="Arial" panose="020B0604020202020204" pitchFamily="34" charset="0"/>
+              </a:defRPr>
+            </a:lvl2pPr>
+            <a:lvl3pPr marL="1143000" indent="-228600">
+              <a:spcBef>
+                <a:spcPct val="20000"/>
+              </a:spcBef>
+              <a:buChar char="•"/>
+              <a:defRPr sz="2400">
+                <a:solidFill>
+                  <a:schemeClr val="tx1"/>
+                </a:solidFill>
+                <a:latin typeface="Arial" panose="020B0604020202020204" pitchFamily="34" charset="0"/>
+                <a:ea typeface="Arial Unicode MS" panose="020B0604020202020204" pitchFamily="50" charset="-127"/>
+                <a:cs typeface="Arial" panose="020B0604020202020204" pitchFamily="34" charset="0"/>
+              </a:defRPr>
+            </a:lvl3pPr>
+            <a:lvl4pPr marL="1600200" indent="-228600">
+              <a:spcBef>
+                <a:spcPct val="20000"/>
+              </a:spcBef>
+              <a:buChar char="–"/>
+              <a:defRPr sz="2000">
+                <a:solidFill>
+                  <a:schemeClr val="tx1"/>
+                </a:solidFill>
+                <a:latin typeface="Arial" panose="020B0604020202020204" pitchFamily="34" charset="0"/>
+                <a:ea typeface="Arial Unicode MS" panose="020B0604020202020204" pitchFamily="50" charset="-127"/>
+                <a:cs typeface="Arial" panose="020B0604020202020204" pitchFamily="34" charset="0"/>
+              </a:defRPr>
+            </a:lvl4pPr>
+            <a:lvl5pPr marL="2057400" indent="-228600">
+              <a:spcBef>
+                <a:spcPct val="20000"/>
+              </a:spcBef>
+              <a:buChar char="»"/>
+              <a:defRPr sz="2000">
+                <a:solidFill>
+                  <a:schemeClr val="tx1"/>
+                </a:solidFill>
+                <a:latin typeface="Arial" panose="020B0604020202020204" pitchFamily="34" charset="0"/>
+                <a:ea typeface="Arial Unicode MS" panose="020B0604020202020204" pitchFamily="50" charset="-127"/>
+                <a:cs typeface="Arial" panose="020B0604020202020204" pitchFamily="34" charset="0"/>
+              </a:defRPr>
+            </a:lvl5pPr>
+            <a:lvl6pPr marL="2514600" indent="-228600" eaLnBrk="0" fontAlgn="base" hangingPunct="0">
+              <a:spcBef>
+                <a:spcPct val="20000"/>
               </a:spcBef>
               <a:spcAft>
                 <a:spcPct val="0"/>
               </a:spcAft>
-              <a:buClrTx/>
-              <a:buSzTx/>
-              <a:buFontTx/>
+              <a:buChar char="»"/>
+              <a:defRPr sz="2000">
+                <a:solidFill>
+                  <a:schemeClr val="tx1"/>
+                </a:solidFill>
+                <a:latin typeface="Arial" panose="020B0604020202020204" pitchFamily="34" charset="0"/>
+                <a:ea typeface="Arial Unicode MS" panose="020B0604020202020204" pitchFamily="50" charset="-127"/>
+                <a:cs typeface="Arial" panose="020B0604020202020204" pitchFamily="34" charset="0"/>
+              </a:defRPr>
+            </a:lvl6pPr>
+            <a:lvl7pPr marL="2971800" indent="-228600" eaLnBrk="0" fontAlgn="base" hangingPunct="0">
+              <a:spcBef>
+                <a:spcPct val="20000"/>
+              </a:spcBef>
+              <a:spcAft>
+                <a:spcPct val="0"/>
+              </a:spcAft>
+              <a:buChar char="»"/>
+              <a:defRPr sz="2000">
+                <a:solidFill>
+                  <a:schemeClr val="tx1"/>
+                </a:solidFill>
+                <a:latin typeface="Arial" panose="020B0604020202020204" pitchFamily="34" charset="0"/>
+                <a:ea typeface="Arial Unicode MS" panose="020B0604020202020204" pitchFamily="50" charset="-127"/>
+                <a:cs typeface="Arial" panose="020B0604020202020204" pitchFamily="34" charset="0"/>
+              </a:defRPr>
+            </a:lvl7pPr>
+            <a:lvl8pPr marL="3429000" indent="-228600" eaLnBrk="0" fontAlgn="base" hangingPunct="0">
+              <a:spcBef>
+                <a:spcPct val="20000"/>
+              </a:spcBef>
+              <a:spcAft>
+                <a:spcPct val="0"/>
+              </a:spcAft>
+              <a:buChar char="»"/>
+              <a:defRPr sz="2000">
+                <a:solidFill>
+                  <a:schemeClr val="tx1"/>
+                </a:solidFill>
+                <a:latin typeface="Arial" panose="020B0604020202020204" pitchFamily="34" charset="0"/>
+                <a:ea typeface="Arial Unicode MS" panose="020B0604020202020204" pitchFamily="50" charset="-127"/>
+                <a:cs typeface="Arial" panose="020B0604020202020204" pitchFamily="34" charset="0"/>
+              </a:defRPr>
+            </a:lvl8pPr>
+            <a:lvl9pPr marL="3886200" indent="-228600" eaLnBrk="0" fontAlgn="base" hangingPunct="0">
+              <a:spcBef>
+                <a:spcPct val="20000"/>
+              </a:spcBef>
+              <a:spcAft>
+                <a:spcPct val="0"/>
+              </a:spcAft>
+              <a:buChar char="»"/>
+              <a:defRPr sz="2000">
+                <a:solidFill>
+                  <a:schemeClr val="tx1"/>
+                </a:solidFill>
+                <a:latin typeface="Arial" panose="020B0604020202020204" pitchFamily="34" charset="0"/>
+                <a:ea typeface="Arial Unicode MS" panose="020B0604020202020204" pitchFamily="50" charset="-127"/>
+                <a:cs typeface="Arial" panose="020B0604020202020204" pitchFamily="34" charset="0"/>
+              </a:defRPr>
+            </a:lvl9pPr>
+          </a:lstStyle>
+          <a:p>
+            <a:pPr>
               <a:buNone/>
-              <a:tabLst/>
             </a:pPr>
             <a:r>
-              <a:rPr kumimoji="0" lang="ko-KR" altLang="en-US" sz="1400" b="0" i="0" u="none" strike="noStrike" cap="none" normalizeH="0" baseline="0">
-                <a:ln>
-                  <a:noFill/>
-                </a:ln>
-                <a:solidFill>
-                  <a:schemeClr val="bg1"/>
-                </a:solidFill>
-                <a:effectLst/>
-                <a:latin typeface="Arial" panose="020B0604020202020204" pitchFamily="34" charset="0"/>
-                <a:cs typeface="Arial" panose="020B0604020202020204" pitchFamily="34" charset="0"/>
+              <a:rPr lang="ko-KR" altLang="en-US" sz="1400" b="1">
+                <a:solidFill>
+                  <a:srgbClr val="24292F"/>
+                </a:solidFill>
+                <a:latin typeface="맑은 고딕" panose="020B0503020000020004" pitchFamily="50" charset="-127"/>
+                <a:ea typeface="맑은 고딕" panose="020B0503020000020004" pitchFamily="50" charset="-127"/>
               </a:rPr>
-              <a:t>🤔 </a:t>
-            </a:r>
-            <a:r>
-              <a:rPr kumimoji="0" lang="en-US" altLang="ko-KR" sz="1400" b="0" i="0" u="none" strike="noStrike" cap="none" normalizeH="0" baseline="0">
-                <a:ln>
-                  <a:noFill/>
-                </a:ln>
-                <a:solidFill>
-                  <a:schemeClr val="bg1"/>
-                </a:solidFill>
-                <a:effectLst/>
-                <a:latin typeface="Arial" panose="020B0604020202020204" pitchFamily="34" charset="0"/>
-                <a:cs typeface="Arial" panose="020B0604020202020204" pitchFamily="34" charset="0"/>
-              </a:rPr>
-              <a:t>API </a:t>
-            </a:r>
-            <a:r>
-              <a:rPr kumimoji="0" lang="ko-KR" altLang="en-US" sz="1400" b="0" i="0" u="none" strike="noStrike" cap="none" normalizeH="0" baseline="0">
-                <a:ln>
-                  <a:noFill/>
-                </a:ln>
-                <a:solidFill>
-                  <a:schemeClr val="bg1"/>
-                </a:solidFill>
-                <a:effectLst/>
-                <a:latin typeface="Arial" panose="020B0604020202020204" pitchFamily="34" charset="0"/>
-                <a:cs typeface="Arial" panose="020B0604020202020204" pitchFamily="34" charset="0"/>
-              </a:rPr>
-              <a:t>설계를 </a:t>
+              <a:t>🤔 하나의 로직인 복수의 요청</a:t>
             </a:r>
             <a:br>
-              <a:rPr kumimoji="0" lang="en-US" altLang="ko-KR" sz="1400" b="0" i="0" u="none" strike="noStrike" cap="none" normalizeH="0" baseline="0">
-                <a:ln>
-                  <a:noFill/>
-                </a:ln>
-                <a:solidFill>
-                  <a:schemeClr val="bg1"/>
-                </a:solidFill>
-                <a:effectLst/>
-                <a:latin typeface="Arial" panose="020B0604020202020204" pitchFamily="34" charset="0"/>
-                <a:cs typeface="Arial" panose="020B0604020202020204" pitchFamily="34" charset="0"/>
+              <a:rPr lang="en-US" altLang="ko-KR" sz="1400" b="1">
+                <a:solidFill>
+                  <a:srgbClr val="24292F"/>
+                </a:solidFill>
+                <a:latin typeface="맑은 고딕" panose="020B0503020000020004" pitchFamily="50" charset="-127"/>
+                <a:ea typeface="맑은 고딕" panose="020B0503020000020004" pitchFamily="50" charset="-127"/>
               </a:rPr>
             </a:br>
-            <a:r>
-              <a:rPr kumimoji="0" lang="ko-KR" altLang="en-US" sz="1400" b="0" i="0" u="none" strike="noStrike" cap="none" normalizeH="0" baseline="0">
-                <a:ln>
-                  <a:noFill/>
-                </a:ln>
-                <a:solidFill>
-                  <a:schemeClr val="bg1"/>
-                </a:solidFill>
-                <a:effectLst/>
-                <a:latin typeface="Arial" panose="020B0604020202020204" pitchFamily="34" charset="0"/>
-                <a:cs typeface="Arial" panose="020B0604020202020204" pitchFamily="34" charset="0"/>
+            <a:br>
+              <a:rPr lang="en-US" altLang="ko-KR" sz="1400" b="1">
+                <a:solidFill>
+                  <a:srgbClr val="24292F"/>
+                </a:solidFill>
+                <a:latin typeface="맑은 고딕" panose="020B0503020000020004" pitchFamily="50" charset="-127"/>
+                <a:ea typeface="맑은 고딕" panose="020B0503020000020004" pitchFamily="50" charset="-127"/>
               </a:rPr>
-              <a:t>잘못한 경우만 해당하지 않나</a:t>
-            </a:r>
-            <a:r>
-              <a:rPr kumimoji="0" lang="en-US" altLang="ko-KR" sz="1400" b="0" i="0" u="none" strike="noStrike" cap="none" normalizeH="0" baseline="0">
-                <a:ln>
-                  <a:noFill/>
-                </a:ln>
-                <a:solidFill>
-                  <a:schemeClr val="bg1"/>
-                </a:solidFill>
-                <a:effectLst/>
-                <a:latin typeface="Arial" panose="020B0604020202020204" pitchFamily="34" charset="0"/>
-                <a:cs typeface="Arial" panose="020B0604020202020204" pitchFamily="34" charset="0"/>
+            </a:br>
+            <a:r>
+              <a:rPr lang="en-US" altLang="ko-KR" sz="1400" b="1">
+                <a:solidFill>
+                  <a:srgbClr val="24292F"/>
+                </a:solidFill>
+                <a:latin typeface="맑은 고딕" panose="020B0503020000020004" pitchFamily="50" charset="-127"/>
+                <a:ea typeface="맑은 고딕" panose="020B0503020000020004" pitchFamily="50" charset="-127"/>
               </a:rPr>
-              <a:t>?</a:t>
-            </a:r>
-            <a:endParaRPr kumimoji="0" lang="ko-KR" altLang="en-US" sz="1400" b="0" i="0" u="none" strike="noStrike" cap="none" normalizeH="0" baseline="0">
-              <a:ln>
-                <a:noFill/>
-              </a:ln>
-              <a:solidFill>
-                <a:schemeClr val="bg1"/>
-              </a:solidFill>
-              <a:effectLst/>
-              <a:latin typeface="Arial" panose="020B0604020202020204" pitchFamily="34" charset="0"/>
-              <a:cs typeface="Arial" panose="020B0604020202020204" pitchFamily="34" charset="0"/>
-            </a:endParaRPr>
+              <a:t>     </a:t>
+            </a:r>
+            <a:r>
+              <a:rPr lang="en-US" altLang="ko-KR" sz="1400">
+                <a:solidFill>
+                  <a:srgbClr val="24292F"/>
+                </a:solidFill>
+                <a:latin typeface="맑은 고딕" panose="020B0503020000020004" pitchFamily="50" charset="-127"/>
+                <a:ea typeface="맑은 고딕" panose="020B0503020000020004" pitchFamily="50" charset="-127"/>
+              </a:rPr>
+              <a:t>cf. </a:t>
+            </a:r>
+            <a:r>
+              <a:rPr lang="ko-KR" altLang="en-US" sz="1400">
+                <a:solidFill>
+                  <a:srgbClr val="24292F"/>
+                </a:solidFill>
+                <a:latin typeface="맑은 고딕" panose="020B0503020000020004" pitchFamily="50" charset="-127"/>
+                <a:ea typeface="맑은 고딕" panose="020B0503020000020004" pitchFamily="50" charset="-127"/>
+              </a:rPr>
+              <a:t>인증 행위 </a:t>
+            </a:r>
+            <a:r>
+              <a:rPr lang="en-US" altLang="ko-KR" sz="1400">
+                <a:solidFill>
+                  <a:srgbClr val="24292F"/>
+                </a:solidFill>
+                <a:latin typeface="맑은 고딕" panose="020B0503020000020004" pitchFamily="50" charset="-127"/>
+                <a:ea typeface="맑은 고딕" panose="020B0503020000020004" pitchFamily="50" charset="-127"/>
+              </a:rPr>
+              <a:t>(Session</a:t>
+            </a:r>
+            <a:r>
+              <a:rPr lang="ko-KR" altLang="en-US" sz="1400">
+                <a:solidFill>
+                  <a:srgbClr val="24292F"/>
+                </a:solidFill>
+                <a:latin typeface="맑은 고딕" panose="020B0503020000020004" pitchFamily="50" charset="-127"/>
+                <a:ea typeface="맑은 고딕" panose="020B0503020000020004" pitchFamily="50" charset="-127"/>
+              </a:rPr>
+              <a:t> 방식에 한함</a:t>
+            </a:r>
+            <a:r>
+              <a:rPr lang="en-US" altLang="ko-KR" sz="1400">
+                <a:solidFill>
+                  <a:srgbClr val="24292F"/>
+                </a:solidFill>
+                <a:latin typeface="맑은 고딕" panose="020B0503020000020004" pitchFamily="50" charset="-127"/>
+                <a:ea typeface="맑은 고딕" panose="020B0503020000020004" pitchFamily="50" charset="-127"/>
+              </a:rPr>
+              <a:t>)</a:t>
+            </a:r>
           </a:p>
         </p:txBody>
       </p:sp>
@@ -6825,7 +7125,34 @@
                                           </p:stCondLst>
                                         </p:cTn>
                                         <p:tgtEl>
-                                          <p:spTgt spid="2"/>
+                                          <p:spTgt spid="8"/>
+                                        </p:tgtEl>
+                                        <p:attrNameLst>
+                                          <p:attrName>style.visibility</p:attrName>
+                                        </p:attrNameLst>
+                                      </p:cBhvr>
+                                      <p:to>
+                                        <p:strVal val="visible"/>
+                                      </p:to>
+                                    </p:set>
+                                  </p:childTnLst>
+                                </p:cTn>
+                              </p:par>
+                              <p:par>
+                                <p:cTn id="11" presetID="1" presetClass="entr" presetSubtype="0" fill="hold" grpId="0" nodeType="withEffect">
+                                  <p:stCondLst>
+                                    <p:cond delay="0"/>
+                                  </p:stCondLst>
+                                  <p:childTnLst>
+                                    <p:set>
+                                      <p:cBhvr>
+                                        <p:cTn id="12" dur="1" fill="hold">
+                                          <p:stCondLst>
+                                            <p:cond delay="0"/>
+                                          </p:stCondLst>
+                                        </p:cTn>
+                                        <p:tgtEl>
+                                          <p:spTgt spid="7"/>
                                         </p:tgtEl>
                                         <p:attrNameLst>
                                           <p:attrName>style.visibility</p:attrName>
@@ -6867,7 +7194,8 @@
     </p:tnLst>
     <p:bldLst>
       <p:bldP spid="13" grpId="0"/>
-      <p:bldP spid="2" grpId="0" animBg="1"/>
+      <p:bldP spid="7" grpId="0"/>
+      <p:bldP spid="8" grpId="0" animBg="1"/>
     </p:bldLst>
   </p:timing>
 </p:sld>
@@ -6983,790 +7311,36 @@
           </a:extLst>
         </p:spPr>
       </p:cxnSp>
-      <p:sp>
-        <p:nvSpPr>
-          <p:cNvPr id="12" name="TextBox 11">
+      <p:pic>
+        <p:nvPicPr>
+          <p:cNvPr id="4" name="그림 3">
             <a:extLst>
               <a:ext uri="{FF2B5EF4-FFF2-40B4-BE49-F238E27FC236}">
-                <a16:creationId xmlns:a16="http://schemas.microsoft.com/office/drawing/2014/main" id="{88AA531A-C50D-4592-ACDC-F06B85969E78}"/>
+                <a16:creationId xmlns:a16="http://schemas.microsoft.com/office/drawing/2014/main" id="{6B75C5B2-FB4C-4F74-AC65-9C067AD5A2F8}"/>
               </a:ext>
             </a:extLst>
           </p:cNvPr>
-          <p:cNvSpPr txBox="1">
-            <a:spLocks noChangeArrowheads="1"/>
-          </p:cNvSpPr>
+          <p:cNvPicPr>
+            <a:picLocks noChangeAspect="1"/>
+          </p:cNvPicPr>
           <p:nvPr/>
-        </p:nvSpPr>
-        <p:spPr bwMode="auto">
+        </p:nvPicPr>
+        <p:blipFill>
+          <a:blip r:embed="rId2"/>
+          <a:stretch>
+            <a:fillRect/>
+          </a:stretch>
+        </p:blipFill>
+        <p:spPr>
           <a:xfrm>
-            <a:off x="565684" y="1474517"/>
-            <a:ext cx="7925332" cy="1815882"/>
+            <a:off x="26532" y="1340768"/>
+            <a:ext cx="9144000" cy="3573747"/>
           </a:xfrm>
           <a:prstGeom prst="rect">
             <a:avLst/>
           </a:prstGeom>
-          <a:noFill/>
-          <a:ln>
-            <a:noFill/>
-          </a:ln>
-          <a:extLst>
-            <a:ext uri="{909E8E84-426E-40DD-AFC4-6F175D3DCCD1}">
-              <a14:hiddenFill xmlns:a14="http://schemas.microsoft.com/office/drawing/2010/main">
-                <a:solidFill>
-                  <a:srgbClr val="FFFFFF"/>
-                </a:solidFill>
-              </a14:hiddenFill>
-            </a:ext>
-            <a:ext uri="{91240B29-F687-4F45-9708-019B960494DF}">
-              <a14:hiddenLine xmlns:a14="http://schemas.microsoft.com/office/drawing/2010/main" w="9525">
-                <a:solidFill>
-                  <a:srgbClr val="000000"/>
-                </a:solidFill>
-                <a:miter lim="800000"/>
-                <a:headEnd/>
-                <a:tailEnd/>
-              </a14:hiddenLine>
-            </a:ext>
-          </a:extLst>
         </p:spPr>
-        <p:txBody>
-          <a:bodyPr wrap="square">
-            <a:spAutoFit/>
-          </a:bodyPr>
-          <a:lstStyle>
-            <a:lvl1pPr>
-              <a:spcBef>
-                <a:spcPct val="20000"/>
-              </a:spcBef>
-              <a:buChar char="•"/>
-              <a:defRPr sz="3200">
-                <a:solidFill>
-                  <a:schemeClr val="tx1"/>
-                </a:solidFill>
-                <a:latin typeface="Arial" panose="020B0604020202020204" pitchFamily="34" charset="0"/>
-                <a:ea typeface="Arial Unicode MS" panose="020B0604020202020204" pitchFamily="50" charset="-127"/>
-                <a:cs typeface="Arial" panose="020B0604020202020204" pitchFamily="34" charset="0"/>
-              </a:defRPr>
-            </a:lvl1pPr>
-            <a:lvl2pPr marL="742950" indent="-285750">
-              <a:spcBef>
-                <a:spcPct val="20000"/>
-              </a:spcBef>
-              <a:buChar char="–"/>
-              <a:defRPr sz="2800">
-                <a:solidFill>
-                  <a:schemeClr val="tx1"/>
-                </a:solidFill>
-                <a:latin typeface="Arial" panose="020B0604020202020204" pitchFamily="34" charset="0"/>
-                <a:ea typeface="Arial Unicode MS" panose="020B0604020202020204" pitchFamily="50" charset="-127"/>
-                <a:cs typeface="Arial" panose="020B0604020202020204" pitchFamily="34" charset="0"/>
-              </a:defRPr>
-            </a:lvl2pPr>
-            <a:lvl3pPr marL="1143000" indent="-228600">
-              <a:spcBef>
-                <a:spcPct val="20000"/>
-              </a:spcBef>
-              <a:buChar char="•"/>
-              <a:defRPr sz="2400">
-                <a:solidFill>
-                  <a:schemeClr val="tx1"/>
-                </a:solidFill>
-                <a:latin typeface="Arial" panose="020B0604020202020204" pitchFamily="34" charset="0"/>
-                <a:ea typeface="Arial Unicode MS" panose="020B0604020202020204" pitchFamily="50" charset="-127"/>
-                <a:cs typeface="Arial" panose="020B0604020202020204" pitchFamily="34" charset="0"/>
-              </a:defRPr>
-            </a:lvl3pPr>
-            <a:lvl4pPr marL="1600200" indent="-228600">
-              <a:spcBef>
-                <a:spcPct val="20000"/>
-              </a:spcBef>
-              <a:buChar char="–"/>
-              <a:defRPr sz="2000">
-                <a:solidFill>
-                  <a:schemeClr val="tx1"/>
-                </a:solidFill>
-                <a:latin typeface="Arial" panose="020B0604020202020204" pitchFamily="34" charset="0"/>
-                <a:ea typeface="Arial Unicode MS" panose="020B0604020202020204" pitchFamily="50" charset="-127"/>
-                <a:cs typeface="Arial" panose="020B0604020202020204" pitchFamily="34" charset="0"/>
-              </a:defRPr>
-            </a:lvl4pPr>
-            <a:lvl5pPr marL="2057400" indent="-228600">
-              <a:spcBef>
-                <a:spcPct val="20000"/>
-              </a:spcBef>
-              <a:buChar char="»"/>
-              <a:defRPr sz="2000">
-                <a:solidFill>
-                  <a:schemeClr val="tx1"/>
-                </a:solidFill>
-                <a:latin typeface="Arial" panose="020B0604020202020204" pitchFamily="34" charset="0"/>
-                <a:ea typeface="Arial Unicode MS" panose="020B0604020202020204" pitchFamily="50" charset="-127"/>
-                <a:cs typeface="Arial" panose="020B0604020202020204" pitchFamily="34" charset="0"/>
-              </a:defRPr>
-            </a:lvl5pPr>
-            <a:lvl6pPr marL="2514600" indent="-228600" eaLnBrk="0" fontAlgn="base" hangingPunct="0">
-              <a:spcBef>
-                <a:spcPct val="20000"/>
-              </a:spcBef>
-              <a:spcAft>
-                <a:spcPct val="0"/>
-              </a:spcAft>
-              <a:buChar char="»"/>
-              <a:defRPr sz="2000">
-                <a:solidFill>
-                  <a:schemeClr val="tx1"/>
-                </a:solidFill>
-                <a:latin typeface="Arial" panose="020B0604020202020204" pitchFamily="34" charset="0"/>
-                <a:ea typeface="Arial Unicode MS" panose="020B0604020202020204" pitchFamily="50" charset="-127"/>
-                <a:cs typeface="Arial" panose="020B0604020202020204" pitchFamily="34" charset="0"/>
-              </a:defRPr>
-            </a:lvl6pPr>
-            <a:lvl7pPr marL="2971800" indent="-228600" eaLnBrk="0" fontAlgn="base" hangingPunct="0">
-              <a:spcBef>
-                <a:spcPct val="20000"/>
-              </a:spcBef>
-              <a:spcAft>
-                <a:spcPct val="0"/>
-              </a:spcAft>
-              <a:buChar char="»"/>
-              <a:defRPr sz="2000">
-                <a:solidFill>
-                  <a:schemeClr val="tx1"/>
-                </a:solidFill>
-                <a:latin typeface="Arial" panose="020B0604020202020204" pitchFamily="34" charset="0"/>
-                <a:ea typeface="Arial Unicode MS" panose="020B0604020202020204" pitchFamily="50" charset="-127"/>
-                <a:cs typeface="Arial" panose="020B0604020202020204" pitchFamily="34" charset="0"/>
-              </a:defRPr>
-            </a:lvl7pPr>
-            <a:lvl8pPr marL="3429000" indent="-228600" eaLnBrk="0" fontAlgn="base" hangingPunct="0">
-              <a:spcBef>
-                <a:spcPct val="20000"/>
-              </a:spcBef>
-              <a:spcAft>
-                <a:spcPct val="0"/>
-              </a:spcAft>
-              <a:buChar char="»"/>
-              <a:defRPr sz="2000">
-                <a:solidFill>
-                  <a:schemeClr val="tx1"/>
-                </a:solidFill>
-                <a:latin typeface="Arial" panose="020B0604020202020204" pitchFamily="34" charset="0"/>
-                <a:ea typeface="Arial Unicode MS" panose="020B0604020202020204" pitchFamily="50" charset="-127"/>
-                <a:cs typeface="Arial" panose="020B0604020202020204" pitchFamily="34" charset="0"/>
-              </a:defRPr>
-            </a:lvl8pPr>
-            <a:lvl9pPr marL="3886200" indent="-228600" eaLnBrk="0" fontAlgn="base" hangingPunct="0">
-              <a:spcBef>
-                <a:spcPct val="20000"/>
-              </a:spcBef>
-              <a:spcAft>
-                <a:spcPct val="0"/>
-              </a:spcAft>
-              <a:buChar char="»"/>
-              <a:defRPr sz="2000">
-                <a:solidFill>
-                  <a:schemeClr val="tx1"/>
-                </a:solidFill>
-                <a:latin typeface="Arial" panose="020B0604020202020204" pitchFamily="34" charset="0"/>
-                <a:ea typeface="Arial Unicode MS" panose="020B0604020202020204" pitchFamily="50" charset="-127"/>
-                <a:cs typeface="Arial" panose="020B0604020202020204" pitchFamily="34" charset="0"/>
-              </a:defRPr>
-            </a:lvl9pPr>
-          </a:lstStyle>
-          <a:p>
-            <a:pPr eaLnBrk="1" hangingPunct="1">
-              <a:spcBef>
-                <a:spcPct val="0"/>
-              </a:spcBef>
-              <a:buNone/>
-            </a:pPr>
-            <a:br>
-              <a:rPr lang="en-US" altLang="ko-KR" sz="1400">
-                <a:solidFill>
-                  <a:srgbClr val="000000"/>
-                </a:solidFill>
-                <a:latin typeface="맑은 고딕" panose="020B0503020000020004" pitchFamily="50" charset="-127"/>
-                <a:ea typeface="맑은 고딕" panose="020B0503020000020004" pitchFamily="50" charset="-127"/>
-              </a:rPr>
-            </a:br>
-            <a:r>
-              <a:rPr lang="en-US" altLang="ko-KR" sz="1400">
-                <a:solidFill>
-                  <a:srgbClr val="000000"/>
-                </a:solidFill>
-                <a:latin typeface="맑은 고딕" panose="020B0503020000020004" pitchFamily="50" charset="-127"/>
-                <a:ea typeface="맑은 고딕" panose="020B0503020000020004" pitchFamily="50" charset="-127"/>
-              </a:rPr>
-              <a:t>1. DNS </a:t>
-            </a:r>
-            <a:r>
-              <a:rPr lang="ko-KR" altLang="en-US" sz="1400">
-                <a:solidFill>
-                  <a:srgbClr val="000000"/>
-                </a:solidFill>
-                <a:latin typeface="맑은 고딕" panose="020B0503020000020004" pitchFamily="50" charset="-127"/>
-                <a:ea typeface="맑은 고딕" panose="020B0503020000020004" pitchFamily="50" charset="-127"/>
-              </a:rPr>
-              <a:t>서버에 부하 분산 장치의 </a:t>
-            </a:r>
-            <a:r>
-              <a:rPr lang="en-US" altLang="ko-KR" sz="1400">
-                <a:solidFill>
-                  <a:srgbClr val="000000"/>
-                </a:solidFill>
-                <a:latin typeface="맑은 고딕" panose="020B0503020000020004" pitchFamily="50" charset="-127"/>
-                <a:ea typeface="맑은 고딕" panose="020B0503020000020004" pitchFamily="50" charset="-127"/>
-              </a:rPr>
-              <a:t>IP</a:t>
-            </a:r>
-            <a:r>
-              <a:rPr lang="ko-KR" altLang="en-US" sz="1400">
-                <a:solidFill>
-                  <a:srgbClr val="000000"/>
-                </a:solidFill>
-                <a:latin typeface="맑은 고딕" panose="020B0503020000020004" pitchFamily="50" charset="-127"/>
-                <a:ea typeface="맑은 고딕" panose="020B0503020000020004" pitchFamily="50" charset="-127"/>
-              </a:rPr>
-              <a:t>를 등록한다</a:t>
-            </a:r>
-            <a:r>
-              <a:rPr lang="en-US" altLang="ko-KR" sz="1400">
-                <a:solidFill>
-                  <a:srgbClr val="000000"/>
-                </a:solidFill>
-                <a:latin typeface="맑은 고딕" panose="020B0503020000020004" pitchFamily="50" charset="-127"/>
-                <a:ea typeface="맑은 고딕" panose="020B0503020000020004" pitchFamily="50" charset="-127"/>
-              </a:rPr>
-              <a:t>.</a:t>
-            </a:r>
-            <a:br>
-              <a:rPr lang="en-US" altLang="ko-KR" sz="1400">
-                <a:solidFill>
-                  <a:srgbClr val="000000"/>
-                </a:solidFill>
-                <a:latin typeface="맑은 고딕" panose="020B0503020000020004" pitchFamily="50" charset="-127"/>
-                <a:ea typeface="맑은 고딕" panose="020B0503020000020004" pitchFamily="50" charset="-127"/>
-              </a:rPr>
-            </a:br>
-            <a:endParaRPr lang="en-US" altLang="ko-KR" sz="1400">
-              <a:solidFill>
-                <a:srgbClr val="000000"/>
-              </a:solidFill>
-              <a:latin typeface="맑은 고딕" panose="020B0503020000020004" pitchFamily="50" charset="-127"/>
-              <a:ea typeface="맑은 고딕" panose="020B0503020000020004" pitchFamily="50" charset="-127"/>
-            </a:endParaRPr>
-          </a:p>
-          <a:p>
-            <a:pPr eaLnBrk="1" hangingPunct="1">
-              <a:spcBef>
-                <a:spcPct val="0"/>
-              </a:spcBef>
-              <a:buNone/>
-            </a:pPr>
-            <a:r>
-              <a:rPr lang="en-US" altLang="ko-KR" sz="1400">
-                <a:solidFill>
-                  <a:srgbClr val="000000"/>
-                </a:solidFill>
-                <a:latin typeface="맑은 고딕" panose="020B0503020000020004" pitchFamily="50" charset="-127"/>
-                <a:ea typeface="맑은 고딕" panose="020B0503020000020004" pitchFamily="50" charset="-127"/>
-              </a:rPr>
-              <a:t>2. </a:t>
-            </a:r>
-            <a:r>
-              <a:rPr lang="ko-KR" altLang="en-US" sz="1400">
-                <a:solidFill>
-                  <a:srgbClr val="000000"/>
-                </a:solidFill>
-                <a:latin typeface="맑은 고딕" panose="020B0503020000020004" pitchFamily="50" charset="-127"/>
-                <a:ea typeface="맑은 고딕" panose="020B0503020000020004" pitchFamily="50" charset="-127"/>
-              </a:rPr>
-              <a:t>부하 분산 장치는 복수의 서버의 부하 상태를 확인하고 요청을 분배한다</a:t>
-            </a:r>
-            <a:r>
-              <a:rPr lang="en-US" altLang="ko-KR" sz="1400">
-                <a:solidFill>
-                  <a:srgbClr val="000000"/>
-                </a:solidFill>
-                <a:latin typeface="맑은 고딕" panose="020B0503020000020004" pitchFamily="50" charset="-127"/>
-                <a:ea typeface="맑은 고딕" panose="020B0503020000020004" pitchFamily="50" charset="-127"/>
-              </a:rPr>
-              <a:t>. </a:t>
-            </a:r>
-            <a:br>
-              <a:rPr lang="en-US" altLang="ko-KR" sz="1400">
-                <a:solidFill>
-                  <a:srgbClr val="000000"/>
-                </a:solidFill>
-                <a:latin typeface="맑은 고딕" panose="020B0503020000020004" pitchFamily="50" charset="-127"/>
-                <a:ea typeface="맑은 고딕" panose="020B0503020000020004" pitchFamily="50" charset="-127"/>
-              </a:rPr>
-            </a:br>
-            <a:br>
-              <a:rPr lang="en-US" altLang="ko-KR" sz="1400">
-                <a:solidFill>
-                  <a:srgbClr val="000000"/>
-                </a:solidFill>
-                <a:latin typeface="맑은 고딕" panose="020B0503020000020004" pitchFamily="50" charset="-127"/>
-                <a:ea typeface="맑은 고딕" panose="020B0503020000020004" pitchFamily="50" charset="-127"/>
-              </a:rPr>
-            </a:br>
-            <a:r>
-              <a:rPr lang="en-US" altLang="ko-KR" sz="1400">
-                <a:solidFill>
-                  <a:srgbClr val="000000"/>
-                </a:solidFill>
-                <a:latin typeface="맑은 고딕" panose="020B0503020000020004" pitchFamily="50" charset="-127"/>
-                <a:ea typeface="맑은 고딕" panose="020B0503020000020004" pitchFamily="50" charset="-127"/>
-              </a:rPr>
-              <a:t>3. </a:t>
-            </a:r>
-            <a:r>
-              <a:rPr lang="ko-KR" altLang="en-US" sz="1400">
-                <a:solidFill>
-                  <a:srgbClr val="000000"/>
-                </a:solidFill>
-                <a:latin typeface="맑은 고딕" panose="020B0503020000020004" pitchFamily="50" charset="-127"/>
-                <a:ea typeface="맑은 고딕" panose="020B0503020000020004" pitchFamily="50" charset="-127"/>
-              </a:rPr>
-              <a:t>하나의 로직이 복수의 요청으로 나눠진 경우</a:t>
-            </a:r>
-            <a:br>
-              <a:rPr lang="en-US" altLang="ko-KR" sz="1400">
-                <a:solidFill>
-                  <a:srgbClr val="000000"/>
-                </a:solidFill>
-                <a:latin typeface="맑은 고딕" panose="020B0503020000020004" pitchFamily="50" charset="-127"/>
-                <a:ea typeface="맑은 고딕" panose="020B0503020000020004" pitchFamily="50" charset="-127"/>
-              </a:rPr>
-            </a:br>
-            <a:br>
-              <a:rPr lang="en-US" altLang="ko-KR" sz="1400">
-                <a:solidFill>
-                  <a:srgbClr val="000000"/>
-                </a:solidFill>
-                <a:latin typeface="맑은 고딕" panose="020B0503020000020004" pitchFamily="50" charset="-127"/>
-                <a:ea typeface="맑은 고딕" panose="020B0503020000020004" pitchFamily="50" charset="-127"/>
-              </a:rPr>
-            </a:br>
-            <a:r>
-              <a:rPr lang="en-US" altLang="ko-KR" sz="1400">
-                <a:solidFill>
-                  <a:srgbClr val="000000"/>
-                </a:solidFill>
-                <a:latin typeface="맑은 고딕" panose="020B0503020000020004" pitchFamily="50" charset="-127"/>
-                <a:ea typeface="맑은 고딕" panose="020B0503020000020004" pitchFamily="50" charset="-127"/>
-              </a:rPr>
-              <a:t>   </a:t>
-            </a:r>
-            <a:r>
-              <a:rPr lang="ko-KR" altLang="en-US" sz="1400">
-                <a:solidFill>
-                  <a:srgbClr val="000000"/>
-                </a:solidFill>
-                <a:latin typeface="맑은 고딕" panose="020B0503020000020004" pitchFamily="50" charset="-127"/>
-                <a:ea typeface="맑은 고딕" panose="020B0503020000020004" pitchFamily="50" charset="-127"/>
-              </a:rPr>
-              <a:t>요청 간 전후 관계를 파악</a:t>
-            </a:r>
-            <a:r>
-              <a:rPr lang="en-US" altLang="ko-KR" sz="1400">
-                <a:solidFill>
-                  <a:srgbClr val="000000"/>
-                </a:solidFill>
-                <a:latin typeface="맑은 고딕" panose="020B0503020000020004" pitchFamily="50" charset="-127"/>
-                <a:ea typeface="맑은 고딕" panose="020B0503020000020004" pitchFamily="50" charset="-127"/>
-              </a:rPr>
-              <a:t>(</a:t>
-            </a:r>
-            <a:r>
-              <a:rPr lang="ko-KR" altLang="en-US" sz="1400">
-                <a:solidFill>
-                  <a:srgbClr val="000000"/>
-                </a:solidFill>
-                <a:latin typeface="맑은 고딕" panose="020B0503020000020004" pitchFamily="50" charset="-127"/>
-                <a:ea typeface="맑은 고딕" panose="020B0503020000020004" pitchFamily="50" charset="-127"/>
-              </a:rPr>
-              <a:t>쿠키 등</a:t>
-            </a:r>
-            <a:r>
-              <a:rPr lang="en-US" altLang="ko-KR" sz="1400">
-                <a:solidFill>
-                  <a:srgbClr val="000000"/>
-                </a:solidFill>
-                <a:latin typeface="맑은 고딕" panose="020B0503020000020004" pitchFamily="50" charset="-127"/>
-                <a:ea typeface="맑은 고딕" panose="020B0503020000020004" pitchFamily="50" charset="-127"/>
-              </a:rPr>
-              <a:t>)</a:t>
-            </a:r>
-            <a:r>
-              <a:rPr lang="ko-KR" altLang="en-US" sz="1400">
-                <a:solidFill>
-                  <a:srgbClr val="000000"/>
-                </a:solidFill>
-                <a:latin typeface="맑은 고딕" panose="020B0503020000020004" pitchFamily="50" charset="-127"/>
-                <a:ea typeface="맑은 고딕" panose="020B0503020000020004" pitchFamily="50" charset="-127"/>
-              </a:rPr>
-              <a:t>해서 같은 서버에 요청을 보내도록 한다</a:t>
-            </a:r>
-            <a:r>
-              <a:rPr lang="en-US" altLang="ko-KR" sz="1400">
-                <a:solidFill>
-                  <a:srgbClr val="000000"/>
-                </a:solidFill>
-                <a:latin typeface="맑은 고딕" panose="020B0503020000020004" pitchFamily="50" charset="-127"/>
-                <a:ea typeface="맑은 고딕" panose="020B0503020000020004" pitchFamily="50" charset="-127"/>
-              </a:rPr>
-              <a:t>.</a:t>
-            </a:r>
-          </a:p>
-        </p:txBody>
-      </p:sp>
-      <p:sp>
-        <p:nvSpPr>
-          <p:cNvPr id="13" name="TextBox 12">
-            <a:extLst>
-              <a:ext uri="{FF2B5EF4-FFF2-40B4-BE49-F238E27FC236}">
-                <a16:creationId xmlns:a16="http://schemas.microsoft.com/office/drawing/2014/main" id="{8D0E509E-A6AC-4ADA-88F6-843404AAABB3}"/>
-              </a:ext>
-            </a:extLst>
-          </p:cNvPr>
-          <p:cNvSpPr txBox="1">
-            <a:spLocks noChangeArrowheads="1"/>
-          </p:cNvSpPr>
-          <p:nvPr/>
-        </p:nvSpPr>
-        <p:spPr bwMode="auto">
-          <a:xfrm>
-            <a:off x="575556" y="4013962"/>
-            <a:ext cx="7915460" cy="1169551"/>
-          </a:xfrm>
-          <a:prstGeom prst="rect">
-            <a:avLst/>
-          </a:prstGeom>
-          <a:noFill/>
-          <a:ln>
-            <a:noFill/>
-          </a:ln>
-          <a:extLst>
-            <a:ext uri="{909E8E84-426E-40DD-AFC4-6F175D3DCCD1}">
-              <a14:hiddenFill xmlns:a14="http://schemas.microsoft.com/office/drawing/2010/main">
-                <a:solidFill>
-                  <a:srgbClr val="FFFFFF"/>
-                </a:solidFill>
-              </a14:hiddenFill>
-            </a:ext>
-            <a:ext uri="{91240B29-F687-4F45-9708-019B960494DF}">
-              <a14:hiddenLine xmlns:a14="http://schemas.microsoft.com/office/drawing/2010/main" w="9525">
-                <a:solidFill>
-                  <a:srgbClr val="000000"/>
-                </a:solidFill>
-                <a:miter lim="800000"/>
-                <a:headEnd/>
-                <a:tailEnd/>
-              </a14:hiddenLine>
-            </a:ext>
-          </a:extLst>
-        </p:spPr>
-        <p:txBody>
-          <a:bodyPr wrap="square">
-            <a:spAutoFit/>
-          </a:bodyPr>
-          <a:lstStyle>
-            <a:lvl1pPr>
-              <a:spcBef>
-                <a:spcPct val="20000"/>
-              </a:spcBef>
-              <a:buChar char="•"/>
-              <a:defRPr sz="3200">
-                <a:solidFill>
-                  <a:schemeClr val="tx1"/>
-                </a:solidFill>
-                <a:latin typeface="Arial" panose="020B0604020202020204" pitchFamily="34" charset="0"/>
-                <a:ea typeface="Arial Unicode MS" panose="020B0604020202020204" pitchFamily="50" charset="-127"/>
-                <a:cs typeface="Arial" panose="020B0604020202020204" pitchFamily="34" charset="0"/>
-              </a:defRPr>
-            </a:lvl1pPr>
-            <a:lvl2pPr marL="742950" indent="-285750">
-              <a:spcBef>
-                <a:spcPct val="20000"/>
-              </a:spcBef>
-              <a:buChar char="–"/>
-              <a:defRPr sz="2800">
-                <a:solidFill>
-                  <a:schemeClr val="tx1"/>
-                </a:solidFill>
-                <a:latin typeface="Arial" panose="020B0604020202020204" pitchFamily="34" charset="0"/>
-                <a:ea typeface="Arial Unicode MS" panose="020B0604020202020204" pitchFamily="50" charset="-127"/>
-                <a:cs typeface="Arial" panose="020B0604020202020204" pitchFamily="34" charset="0"/>
-              </a:defRPr>
-            </a:lvl2pPr>
-            <a:lvl3pPr marL="1143000" indent="-228600">
-              <a:spcBef>
-                <a:spcPct val="20000"/>
-              </a:spcBef>
-              <a:buChar char="•"/>
-              <a:defRPr sz="2400">
-                <a:solidFill>
-                  <a:schemeClr val="tx1"/>
-                </a:solidFill>
-                <a:latin typeface="Arial" panose="020B0604020202020204" pitchFamily="34" charset="0"/>
-                <a:ea typeface="Arial Unicode MS" panose="020B0604020202020204" pitchFamily="50" charset="-127"/>
-                <a:cs typeface="Arial" panose="020B0604020202020204" pitchFamily="34" charset="0"/>
-              </a:defRPr>
-            </a:lvl3pPr>
-            <a:lvl4pPr marL="1600200" indent="-228600">
-              <a:spcBef>
-                <a:spcPct val="20000"/>
-              </a:spcBef>
-              <a:buChar char="–"/>
-              <a:defRPr sz="2000">
-                <a:solidFill>
-                  <a:schemeClr val="tx1"/>
-                </a:solidFill>
-                <a:latin typeface="Arial" panose="020B0604020202020204" pitchFamily="34" charset="0"/>
-                <a:ea typeface="Arial Unicode MS" panose="020B0604020202020204" pitchFamily="50" charset="-127"/>
-                <a:cs typeface="Arial" panose="020B0604020202020204" pitchFamily="34" charset="0"/>
-              </a:defRPr>
-            </a:lvl4pPr>
-            <a:lvl5pPr marL="2057400" indent="-228600">
-              <a:spcBef>
-                <a:spcPct val="20000"/>
-              </a:spcBef>
-              <a:buChar char="»"/>
-              <a:defRPr sz="2000">
-                <a:solidFill>
-                  <a:schemeClr val="tx1"/>
-                </a:solidFill>
-                <a:latin typeface="Arial" panose="020B0604020202020204" pitchFamily="34" charset="0"/>
-                <a:ea typeface="Arial Unicode MS" panose="020B0604020202020204" pitchFamily="50" charset="-127"/>
-                <a:cs typeface="Arial" panose="020B0604020202020204" pitchFamily="34" charset="0"/>
-              </a:defRPr>
-            </a:lvl5pPr>
-            <a:lvl6pPr marL="2514600" indent="-228600" eaLnBrk="0" fontAlgn="base" hangingPunct="0">
-              <a:spcBef>
-                <a:spcPct val="20000"/>
-              </a:spcBef>
-              <a:spcAft>
-                <a:spcPct val="0"/>
-              </a:spcAft>
-              <a:buChar char="»"/>
-              <a:defRPr sz="2000">
-                <a:solidFill>
-                  <a:schemeClr val="tx1"/>
-                </a:solidFill>
-                <a:latin typeface="Arial" panose="020B0604020202020204" pitchFamily="34" charset="0"/>
-                <a:ea typeface="Arial Unicode MS" panose="020B0604020202020204" pitchFamily="50" charset="-127"/>
-                <a:cs typeface="Arial" panose="020B0604020202020204" pitchFamily="34" charset="0"/>
-              </a:defRPr>
-            </a:lvl6pPr>
-            <a:lvl7pPr marL="2971800" indent="-228600" eaLnBrk="0" fontAlgn="base" hangingPunct="0">
-              <a:spcBef>
-                <a:spcPct val="20000"/>
-              </a:spcBef>
-              <a:spcAft>
-                <a:spcPct val="0"/>
-              </a:spcAft>
-              <a:buChar char="»"/>
-              <a:defRPr sz="2000">
-                <a:solidFill>
-                  <a:schemeClr val="tx1"/>
-                </a:solidFill>
-                <a:latin typeface="Arial" panose="020B0604020202020204" pitchFamily="34" charset="0"/>
-                <a:ea typeface="Arial Unicode MS" panose="020B0604020202020204" pitchFamily="50" charset="-127"/>
-                <a:cs typeface="Arial" panose="020B0604020202020204" pitchFamily="34" charset="0"/>
-              </a:defRPr>
-            </a:lvl7pPr>
-            <a:lvl8pPr marL="3429000" indent="-228600" eaLnBrk="0" fontAlgn="base" hangingPunct="0">
-              <a:spcBef>
-                <a:spcPct val="20000"/>
-              </a:spcBef>
-              <a:spcAft>
-                <a:spcPct val="0"/>
-              </a:spcAft>
-              <a:buChar char="»"/>
-              <a:defRPr sz="2000">
-                <a:solidFill>
-                  <a:schemeClr val="tx1"/>
-                </a:solidFill>
-                <a:latin typeface="Arial" panose="020B0604020202020204" pitchFamily="34" charset="0"/>
-                <a:ea typeface="Arial Unicode MS" panose="020B0604020202020204" pitchFamily="50" charset="-127"/>
-                <a:cs typeface="Arial" panose="020B0604020202020204" pitchFamily="34" charset="0"/>
-              </a:defRPr>
-            </a:lvl8pPr>
-            <a:lvl9pPr marL="3886200" indent="-228600" eaLnBrk="0" fontAlgn="base" hangingPunct="0">
-              <a:spcBef>
-                <a:spcPct val="20000"/>
-              </a:spcBef>
-              <a:spcAft>
-                <a:spcPct val="0"/>
-              </a:spcAft>
-              <a:buChar char="»"/>
-              <a:defRPr sz="2000">
-                <a:solidFill>
-                  <a:schemeClr val="tx1"/>
-                </a:solidFill>
-                <a:latin typeface="Arial" panose="020B0604020202020204" pitchFamily="34" charset="0"/>
-                <a:ea typeface="Arial Unicode MS" panose="020B0604020202020204" pitchFamily="50" charset="-127"/>
-                <a:cs typeface="Arial" panose="020B0604020202020204" pitchFamily="34" charset="0"/>
-              </a:defRPr>
-            </a:lvl9pPr>
-          </a:lstStyle>
-          <a:p>
-            <a:pPr eaLnBrk="1" hangingPunct="1">
-              <a:spcBef>
-                <a:spcPct val="0"/>
-              </a:spcBef>
-              <a:buNone/>
-            </a:pPr>
-            <a:r>
-              <a:rPr lang="ko-KR" altLang="en-US" sz="1400" b="1">
-                <a:solidFill>
-                  <a:srgbClr val="000000"/>
-                </a:solidFill>
-                <a:latin typeface="맑은 고딕" panose="020B0503020000020004" pitchFamily="50" charset="-127"/>
-                <a:ea typeface="맑은 고딕" panose="020B0503020000020004" pitchFamily="50" charset="-127"/>
-              </a:rPr>
-              <a:t>앞선 목차의</a:t>
-            </a:r>
-            <a:r>
-              <a:rPr lang="en-US" altLang="ko-KR" sz="1400">
-                <a:solidFill>
-                  <a:srgbClr val="000000"/>
-                </a:solidFill>
-                <a:latin typeface="맑은 고딕" panose="020B0503020000020004" pitchFamily="50" charset="-127"/>
-                <a:ea typeface="맑은 고딕" panose="020B0503020000020004" pitchFamily="50" charset="-127"/>
-              </a:rPr>
-              <a:t> </a:t>
-            </a:r>
-            <a:r>
-              <a:rPr lang="ko-KR" altLang="en-US" sz="1400">
-                <a:solidFill>
-                  <a:srgbClr val="000000"/>
-                </a:solidFill>
-                <a:latin typeface="맑은 고딕" panose="020B0503020000020004" pitchFamily="50" charset="-127"/>
-                <a:ea typeface="맑은 고딕" panose="020B0503020000020004" pitchFamily="50" charset="-127"/>
-              </a:rPr>
-              <a:t>라운드 로빈 방식의 </a:t>
-            </a:r>
-            <a:r>
-              <a:rPr lang="en-US" altLang="ko-KR" sz="1400">
-                <a:solidFill>
-                  <a:srgbClr val="000000"/>
-                </a:solidFill>
-                <a:latin typeface="맑은 고딕" panose="020B0503020000020004" pitchFamily="50" charset="-127"/>
-                <a:ea typeface="맑은 고딕" panose="020B0503020000020004" pitchFamily="50" charset="-127"/>
-              </a:rPr>
-              <a:t>2</a:t>
-            </a:r>
-            <a:r>
-              <a:rPr lang="ko-KR" altLang="en-US" sz="1400">
-                <a:solidFill>
-                  <a:srgbClr val="000000"/>
-                </a:solidFill>
-                <a:latin typeface="맑은 고딕" panose="020B0503020000020004" pitchFamily="50" charset="-127"/>
-                <a:ea typeface="맑은 고딕" panose="020B0503020000020004" pitchFamily="50" charset="-127"/>
-              </a:rPr>
-              <a:t>가지 문제</a:t>
-            </a:r>
-            <a:br>
-              <a:rPr lang="en-US" altLang="ko-KR" sz="1400">
-                <a:solidFill>
-                  <a:srgbClr val="000000"/>
-                </a:solidFill>
-                <a:latin typeface="맑은 고딕" panose="020B0503020000020004" pitchFamily="50" charset="-127"/>
-                <a:ea typeface="맑은 고딕" panose="020B0503020000020004" pitchFamily="50" charset="-127"/>
-              </a:rPr>
-            </a:br>
-            <a:br>
-              <a:rPr lang="en-US" altLang="ko-KR" sz="1400">
-                <a:solidFill>
-                  <a:srgbClr val="000000"/>
-                </a:solidFill>
-                <a:latin typeface="맑은 고딕" panose="020B0503020000020004" pitchFamily="50" charset="-127"/>
-                <a:ea typeface="맑은 고딕" panose="020B0503020000020004" pitchFamily="50" charset="-127"/>
-              </a:rPr>
-            </a:br>
-            <a:r>
-              <a:rPr lang="en-US" altLang="ko-KR" sz="1400">
-                <a:solidFill>
-                  <a:srgbClr val="000000"/>
-                </a:solidFill>
-                <a:latin typeface="맑은 고딕" panose="020B0503020000020004" pitchFamily="50" charset="-127"/>
-                <a:ea typeface="맑은 고딕" panose="020B0503020000020004" pitchFamily="50" charset="-127"/>
-              </a:rPr>
-              <a:t>a. </a:t>
-            </a:r>
-            <a:r>
-              <a:rPr lang="ko-KR" altLang="en-US" sz="1400">
-                <a:solidFill>
-                  <a:srgbClr val="000000"/>
-                </a:solidFill>
-                <a:latin typeface="맑은 고딕" panose="020B0503020000020004" pitchFamily="50" charset="-127"/>
-                <a:ea typeface="맑은 고딕" panose="020B0503020000020004" pitchFamily="50" charset="-127"/>
-              </a:rPr>
-              <a:t>특정 서버가 고장났을 때</a:t>
-            </a:r>
-            <a:endParaRPr lang="en-US" altLang="ko-KR" sz="1400">
-              <a:solidFill>
-                <a:srgbClr val="000000"/>
-              </a:solidFill>
-              <a:latin typeface="맑은 고딕" panose="020B0503020000020004" pitchFamily="50" charset="-127"/>
-              <a:ea typeface="맑은 고딕" panose="020B0503020000020004" pitchFamily="50" charset="-127"/>
-            </a:endParaRPr>
-          </a:p>
-          <a:p>
-            <a:pPr eaLnBrk="1" hangingPunct="1">
-              <a:spcBef>
-                <a:spcPct val="0"/>
-              </a:spcBef>
-              <a:buNone/>
-            </a:pPr>
-            <a:endParaRPr lang="en-US" altLang="ko-KR" sz="1400">
-              <a:solidFill>
-                <a:srgbClr val="000000"/>
-              </a:solidFill>
-              <a:latin typeface="맑은 고딕" panose="020B0503020000020004" pitchFamily="50" charset="-127"/>
-              <a:ea typeface="맑은 고딕" panose="020B0503020000020004" pitchFamily="50" charset="-127"/>
-            </a:endParaRPr>
-          </a:p>
-          <a:p>
-            <a:pPr eaLnBrk="1" hangingPunct="1">
-              <a:spcBef>
-                <a:spcPct val="0"/>
-              </a:spcBef>
-              <a:buNone/>
-            </a:pPr>
-            <a:r>
-              <a:rPr lang="en-US" altLang="ko-KR" sz="1400">
-                <a:solidFill>
-                  <a:srgbClr val="000000"/>
-                </a:solidFill>
-                <a:latin typeface="맑은 고딕" panose="020B0503020000020004" pitchFamily="50" charset="-127"/>
-                <a:ea typeface="맑은 고딕" panose="020B0503020000020004" pitchFamily="50" charset="-127"/>
-              </a:rPr>
-              <a:t>b. </a:t>
-            </a:r>
-            <a:r>
-              <a:rPr lang="ko-KR" altLang="en-US" sz="1400">
-                <a:solidFill>
-                  <a:srgbClr val="000000"/>
-                </a:solidFill>
-                <a:latin typeface="맑은 고딕" panose="020B0503020000020004" pitchFamily="50" charset="-127"/>
-                <a:ea typeface="맑은 고딕" panose="020B0503020000020004" pitchFamily="50" charset="-127"/>
-              </a:rPr>
-              <a:t>하나의 로직이 복수의 요청으로 나눠졌을 때</a:t>
-            </a:r>
-            <a:endParaRPr lang="en-US" altLang="ko-KR" sz="1400">
-              <a:solidFill>
-                <a:srgbClr val="000000"/>
-              </a:solidFill>
-              <a:latin typeface="맑은 고딕" panose="020B0503020000020004" pitchFamily="50" charset="-127"/>
-              <a:ea typeface="맑은 고딕" panose="020B0503020000020004" pitchFamily="50" charset="-127"/>
-            </a:endParaRPr>
-          </a:p>
-        </p:txBody>
-      </p:sp>
+      </p:pic>
     </p:spTree>
     <p:extLst>
       <p:ext uri="{BB962C8B-B14F-4D97-AF65-F5344CB8AC3E}">
@@ -7777,88 +7351,284 @@
   <p:clrMapOvr>
     <a:masterClrMapping/>
   </p:clrMapOvr>
-  <p:timing>
-    <p:tnLst>
-      <p:par>
-        <p:cTn id="1" dur="indefinite" restart="never" nodeType="tmRoot">
-          <p:childTnLst>
-            <p:seq concurrent="1" nextAc="seek">
-              <p:cTn id="2" dur="indefinite" nodeType="mainSeq">
-                <p:childTnLst>
-                  <p:par>
-                    <p:cTn id="3" fill="hold">
-                      <p:stCondLst>
-                        <p:cond delay="indefinite"/>
-                      </p:stCondLst>
-                      <p:childTnLst>
-                        <p:par>
-                          <p:cTn id="4" fill="hold">
-                            <p:stCondLst>
-                              <p:cond delay="0"/>
-                            </p:stCondLst>
-                            <p:childTnLst>
-                              <p:par>
-                                <p:cTn id="5" presetID="1" presetClass="entr" presetSubtype="0" fill="hold" grpId="0" nodeType="clickEffect">
-                                  <p:stCondLst>
-                                    <p:cond delay="0"/>
-                                  </p:stCondLst>
-                                  <p:childTnLst>
-                                    <p:set>
-                                      <p:cBhvr>
-                                        <p:cTn id="6" dur="1" fill="hold">
-                                          <p:stCondLst>
-                                            <p:cond delay="0"/>
-                                          </p:stCondLst>
-                                        </p:cTn>
-                                        <p:tgtEl>
-                                          <p:spTgt spid="13"/>
-                                        </p:tgtEl>
-                                        <p:attrNameLst>
-                                          <p:attrName>style.visibility</p:attrName>
-                                        </p:attrNameLst>
-                                      </p:cBhvr>
-                                      <p:to>
-                                        <p:strVal val="visible"/>
-                                      </p:to>
-                                    </p:set>
-                                  </p:childTnLst>
-                                </p:cTn>
-                              </p:par>
-                            </p:childTnLst>
-                          </p:cTn>
-                        </p:par>
-                      </p:childTnLst>
-                    </p:cTn>
-                  </p:par>
-                </p:childTnLst>
-              </p:cTn>
-              <p:prevCondLst>
-                <p:cond evt="onPrev" delay="0">
-                  <p:tgtEl>
-                    <p:sldTgt/>
-                  </p:tgtEl>
-                </p:cond>
-              </p:prevCondLst>
-              <p:nextCondLst>
-                <p:cond evt="onNext" delay="0">
-                  <p:tgtEl>
-                    <p:sldTgt/>
-                  </p:tgtEl>
-                </p:cond>
-              </p:nextCondLst>
-            </p:seq>
-          </p:childTnLst>
-        </p:cTn>
-      </p:par>
-    </p:tnLst>
-    <p:bldLst>
-      <p:bldP spid="13" grpId="0"/>
-    </p:bldLst>
-  </p:timing>
 </p:sld>
 </file>
 
 <file path=ppt/slides/slide6.xml><?xml version="1.0" encoding="utf-8"?>
+<p:sld xmlns:a="http://schemas.openxmlformats.org/drawingml/2006/main" xmlns:r="http://schemas.openxmlformats.org/officeDocument/2006/relationships" xmlns:p="http://schemas.openxmlformats.org/presentationml/2006/main">
+  <p:cSld>
+    <p:spTree>
+      <p:nvGrpSpPr>
+        <p:cNvPr id="1" name=""/>
+        <p:cNvGrpSpPr/>
+        <p:nvPr/>
+      </p:nvGrpSpPr>
+      <p:grpSpPr>
+        <a:xfrm>
+          <a:off x="0" y="0"/>
+          <a:ext cx="0" cy="0"/>
+          <a:chOff x="0" y="0"/>
+          <a:chExt cx="0" cy="0"/>
+        </a:xfrm>
+      </p:grpSpPr>
+      <p:sp>
+        <p:nvSpPr>
+          <p:cNvPr id="5122" name="Rectangle 2">
+            <a:extLst>
+              <a:ext uri="{FF2B5EF4-FFF2-40B4-BE49-F238E27FC236}">
+                <a16:creationId xmlns:a16="http://schemas.microsoft.com/office/drawing/2014/main" id="{5A5441BC-21C9-4C4E-8617-73A39EC832C7}"/>
+              </a:ext>
+            </a:extLst>
+          </p:cNvPr>
+          <p:cNvSpPr>
+            <a:spLocks noGrp="1" noChangeArrowheads="1"/>
+          </p:cNvSpPr>
+          <p:nvPr>
+            <p:ph type="title"/>
+          </p:nvPr>
+        </p:nvSpPr>
+        <p:spPr>
+          <a:xfrm>
+            <a:off x="457200" y="188913"/>
+            <a:ext cx="8229600" cy="1295400"/>
+          </a:xfrm>
+        </p:spPr>
+        <p:txBody>
+          <a:bodyPr/>
+          <a:lstStyle/>
+          <a:p>
+            <a:pPr algn="l"/>
+            <a:r>
+              <a:rPr lang="ko-KR" altLang="en-US" sz="3200" i="0">
+                <a:solidFill>
+                  <a:srgbClr val="24292F"/>
+                </a:solidFill>
+                <a:effectLst/>
+                <a:latin typeface="-apple-system"/>
+              </a:rPr>
+              <a:t>부하 분산 장치</a:t>
+            </a:r>
+            <a:endParaRPr lang="en-US" altLang="ko-KR" sz="3200" i="0">
+              <a:solidFill>
+                <a:srgbClr val="24292F"/>
+              </a:solidFill>
+              <a:effectLst/>
+              <a:latin typeface="-apple-system"/>
+            </a:endParaRPr>
+          </a:p>
+        </p:txBody>
+      </p:sp>
+      <p:cxnSp>
+        <p:nvCxnSpPr>
+          <p:cNvPr id="3" name="직선 연결선 2">
+            <a:extLst>
+              <a:ext uri="{FF2B5EF4-FFF2-40B4-BE49-F238E27FC236}">
+                <a16:creationId xmlns:a16="http://schemas.microsoft.com/office/drawing/2014/main" id="{00016A16-78F9-4CDB-B5A3-E7D1D56285D2}"/>
+              </a:ext>
+            </a:extLst>
+          </p:cNvPr>
+          <p:cNvCxnSpPr/>
+          <p:nvPr/>
+        </p:nvCxnSpPr>
+        <p:spPr bwMode="auto">
+          <a:xfrm>
+            <a:off x="575556" y="1268760"/>
+            <a:ext cx="7992888" cy="0"/>
+          </a:xfrm>
+          <a:prstGeom prst="line">
+            <a:avLst/>
+          </a:prstGeom>
+          <a:solidFill>
+            <a:schemeClr val="accent1"/>
+          </a:solidFill>
+          <a:ln w="25400" cap="flat" cmpd="sng" algn="ctr">
+            <a:solidFill>
+              <a:schemeClr val="tx1"/>
+            </a:solidFill>
+            <a:prstDash val="solid"/>
+            <a:round/>
+            <a:headEnd type="none" w="med" len="med"/>
+            <a:tailEnd type="none" w="med" len="med"/>
+          </a:ln>
+          <a:effectLst/>
+          <a:extLst>
+            <a:ext uri="{AF507438-7753-43E0-B8FC-AC1667EBCBE1}">
+              <a14:hiddenEffects xmlns:a14="http://schemas.microsoft.com/office/drawing/2010/main">
+                <a:effectLst>
+                  <a:outerShdw dist="35921" dir="2700000" algn="ctr" rotWithShape="0">
+                    <a:schemeClr val="bg2"/>
+                  </a:outerShdw>
+                </a:effectLst>
+              </a14:hiddenEffects>
+            </a:ext>
+          </a:extLst>
+        </p:spPr>
+      </p:cxnSp>
+      <p:pic>
+        <p:nvPicPr>
+          <p:cNvPr id="4" name="그림 3">
+            <a:extLst>
+              <a:ext uri="{FF2B5EF4-FFF2-40B4-BE49-F238E27FC236}">
+                <a16:creationId xmlns:a16="http://schemas.microsoft.com/office/drawing/2014/main" id="{6B75C5B2-FB4C-4F74-AC65-9C067AD5A2F8}"/>
+              </a:ext>
+            </a:extLst>
+          </p:cNvPr>
+          <p:cNvPicPr>
+            <a:picLocks noChangeAspect="1"/>
+          </p:cNvPicPr>
+          <p:nvPr/>
+        </p:nvPicPr>
+        <p:blipFill rotWithShape="1">
+          <a:blip r:embed="rId2"/>
+          <a:srcRect b="89925"/>
+          <a:stretch/>
+        </p:blipFill>
+        <p:spPr>
+          <a:xfrm>
+            <a:off x="26532" y="1340769"/>
+            <a:ext cx="9144000" cy="360040"/>
+          </a:xfrm>
+          <a:prstGeom prst="rect">
+            <a:avLst/>
+          </a:prstGeom>
+        </p:spPr>
+      </p:pic>
+      <p:pic>
+        <p:nvPicPr>
+          <p:cNvPr id="7" name="그림 6">
+            <a:extLst>
+              <a:ext uri="{FF2B5EF4-FFF2-40B4-BE49-F238E27FC236}">
+                <a16:creationId xmlns:a16="http://schemas.microsoft.com/office/drawing/2014/main" id="{0840D0A4-BE31-4DD4-A32A-50AA6586262C}"/>
+              </a:ext>
+            </a:extLst>
+          </p:cNvPr>
+          <p:cNvPicPr>
+            <a:picLocks noChangeAspect="1"/>
+          </p:cNvPicPr>
+          <p:nvPr/>
+        </p:nvPicPr>
+        <p:blipFill>
+          <a:blip r:embed="rId3"/>
+          <a:stretch>
+            <a:fillRect/>
+          </a:stretch>
+        </p:blipFill>
+        <p:spPr>
+          <a:xfrm>
+            <a:off x="0" y="1713661"/>
+            <a:ext cx="9144000" cy="4125548"/>
+          </a:xfrm>
+          <a:prstGeom prst="rect">
+            <a:avLst/>
+          </a:prstGeom>
+        </p:spPr>
+      </p:pic>
+      <p:cxnSp>
+        <p:nvCxnSpPr>
+          <p:cNvPr id="9" name="직선 연결선 8">
+            <a:extLst>
+              <a:ext uri="{FF2B5EF4-FFF2-40B4-BE49-F238E27FC236}">
+                <a16:creationId xmlns:a16="http://schemas.microsoft.com/office/drawing/2014/main" id="{AAA66AF7-5961-441D-BF85-70C5A3EB85FC}"/>
+              </a:ext>
+            </a:extLst>
+          </p:cNvPr>
+          <p:cNvCxnSpPr/>
+          <p:nvPr/>
+        </p:nvCxnSpPr>
+        <p:spPr bwMode="auto">
+          <a:xfrm>
+            <a:off x="5004048" y="2924944"/>
+            <a:ext cx="1224136" cy="0"/>
+          </a:xfrm>
+          <a:prstGeom prst="line">
+            <a:avLst/>
+          </a:prstGeom>
+          <a:solidFill>
+            <a:schemeClr val="accent1"/>
+          </a:solidFill>
+          <a:ln w="25400" cap="flat" cmpd="sng" algn="ctr">
+            <a:solidFill>
+              <a:srgbClr val="FF5050"/>
+            </a:solidFill>
+            <a:prstDash val="solid"/>
+            <a:round/>
+            <a:headEnd type="none" w="med" len="med"/>
+            <a:tailEnd type="none" w="med" len="med"/>
+          </a:ln>
+          <a:effectLst/>
+          <a:extLst>
+            <a:ext uri="{AF507438-7753-43E0-B8FC-AC1667EBCBE1}">
+              <a14:hiddenEffects xmlns:a14="http://schemas.microsoft.com/office/drawing/2010/main">
+                <a:effectLst>
+                  <a:outerShdw dist="35921" dir="2700000" algn="ctr" rotWithShape="0">
+                    <a:schemeClr val="bg2"/>
+                  </a:outerShdw>
+                </a:effectLst>
+              </a14:hiddenEffects>
+            </a:ext>
+          </a:extLst>
+        </p:spPr>
+      </p:cxnSp>
+      <p:cxnSp>
+        <p:nvCxnSpPr>
+          <p:cNvPr id="11" name="직선 연결선 10">
+            <a:extLst>
+              <a:ext uri="{FF2B5EF4-FFF2-40B4-BE49-F238E27FC236}">
+                <a16:creationId xmlns:a16="http://schemas.microsoft.com/office/drawing/2014/main" id="{B6774DC3-06D6-4D17-90B5-2917B9235586}"/>
+              </a:ext>
+            </a:extLst>
+          </p:cNvPr>
+          <p:cNvCxnSpPr/>
+          <p:nvPr/>
+        </p:nvCxnSpPr>
+        <p:spPr bwMode="auto">
+          <a:xfrm>
+            <a:off x="5076056" y="5144339"/>
+            <a:ext cx="1872208" cy="0"/>
+          </a:xfrm>
+          <a:prstGeom prst="line">
+            <a:avLst/>
+          </a:prstGeom>
+          <a:solidFill>
+            <a:schemeClr val="accent1"/>
+          </a:solidFill>
+          <a:ln w="25400" cap="flat" cmpd="sng" algn="ctr">
+            <a:solidFill>
+              <a:srgbClr val="FF5050"/>
+            </a:solidFill>
+            <a:prstDash val="solid"/>
+            <a:round/>
+            <a:headEnd type="none" w="med" len="med"/>
+            <a:tailEnd type="none" w="med" len="med"/>
+          </a:ln>
+          <a:effectLst/>
+          <a:extLst>
+            <a:ext uri="{AF507438-7753-43E0-B8FC-AC1667EBCBE1}">
+              <a14:hiddenEffects xmlns:a14="http://schemas.microsoft.com/office/drawing/2010/main">
+                <a:effectLst>
+                  <a:outerShdw dist="35921" dir="2700000" algn="ctr" rotWithShape="0">
+                    <a:schemeClr val="bg2"/>
+                  </a:outerShdw>
+                </a:effectLst>
+              </a14:hiddenEffects>
+            </a:ext>
+          </a:extLst>
+        </p:spPr>
+      </p:cxnSp>
+    </p:spTree>
+    <p:extLst>
+      <p:ext uri="{BB962C8B-B14F-4D97-AF65-F5344CB8AC3E}">
+        <p14:creationId xmlns:p14="http://schemas.microsoft.com/office/powerpoint/2010/main" val="214042709"/>
+      </p:ext>
+    </p:extLst>
+  </p:cSld>
+  <p:clrMapOvr>
+    <a:masterClrMapping/>
+  </p:clrMapOvr>
+</p:sld>
+</file>
+
+<file path=ppt/slides/slide7.xml><?xml version="1.0" encoding="utf-8"?>
 <p:sld xmlns:a="http://schemas.openxmlformats.org/drawingml/2006/main" xmlns:r="http://schemas.openxmlformats.org/officeDocument/2006/relationships" xmlns:p="http://schemas.openxmlformats.org/presentationml/2006/main">
   <p:cSld>
     <p:spTree>
@@ -8110,7 +7880,7 @@
 </p:sld>
 </file>
 
-<file path=ppt/slides/slide7.xml><?xml version="1.0" encoding="utf-8"?>
+<file path=ppt/slides/slide8.xml><?xml version="1.0" encoding="utf-8"?>
 <p:sld xmlns:a="http://schemas.openxmlformats.org/drawingml/2006/main" xmlns:r="http://schemas.openxmlformats.org/officeDocument/2006/relationships" xmlns:p="http://schemas.openxmlformats.org/presentationml/2006/main">
   <p:cSld>
     <p:spTree>
@@ -9665,7 +9435,7 @@
 </p:sld>
 </file>
 
-<file path=ppt/slides/slide8.xml><?xml version="1.0" encoding="utf-8"?>
+<file path=ppt/slides/slide9.xml><?xml version="1.0" encoding="utf-8"?>
 <p:sld xmlns:a="http://schemas.openxmlformats.org/drawingml/2006/main" xmlns:r="http://schemas.openxmlformats.org/officeDocument/2006/relationships" xmlns:p="http://schemas.openxmlformats.org/presentationml/2006/main">
   <p:cSld>
     <p:spTree>
